--- a/help/ppt/EFW高負荷対応のTomcat Efw環境構築v0.2.pptx
+++ b/help/ppt/EFW高負荷対応のTomcat Efw環境構築v0.2.pptx
@@ -6,16 +6,17 @@
     <p:sldMasterId id="2147483660" r:id="rId2"/>
   </p:sldMasterIdLst>
   <p:notesMasterIdLst>
-    <p:notesMasterId r:id="rId10"/>
+    <p:notesMasterId r:id="rId11"/>
   </p:notesMasterIdLst>
   <p:sldIdLst>
     <p:sldId id="256" r:id="rId3"/>
     <p:sldId id="257" r:id="rId4"/>
-    <p:sldId id="259" r:id="rId5"/>
-    <p:sldId id="258" r:id="rId6"/>
-    <p:sldId id="260" r:id="rId7"/>
-    <p:sldId id="262" r:id="rId8"/>
-    <p:sldId id="263" r:id="rId9"/>
+    <p:sldId id="264" r:id="rId5"/>
+    <p:sldId id="259" r:id="rId6"/>
+    <p:sldId id="258" r:id="rId7"/>
+    <p:sldId id="260" r:id="rId8"/>
+    <p:sldId id="262" r:id="rId9"/>
+    <p:sldId id="263" r:id="rId10"/>
   </p:sldIdLst>
   <p:sldSz cx="9144000" cy="6858000" type="screen4x3"/>
   <p:notesSz cx="6858000" cy="9144000"/>
@@ -116,7 +117,7 @@
   </p:defaultTextStyle>
   <p:extLst>
     <p:ext uri="{EFAFB233-063F-42B5-8137-9DF3F51BA10A}">
-      <p15:sldGuideLst xmlns:p15="http://schemas.microsoft.com/office/powerpoint/2012/main" xmlns="">
+      <p15:sldGuideLst xmlns:p15="http://schemas.microsoft.com/office/powerpoint/2012/main">
         <p15:guide id="1" orient="horz" pos="2160">
           <p15:clr>
             <a:srgbClr val="A4A3A4"/>
@@ -215,7 +216,7 @@
           <a:p>
             <a:fld id="{29611FB4-7FF2-4F2D-8BCE-0793373968A4}" type="datetimeFigureOut">
               <a:rPr kumimoji="1" lang="ja-JP" altLang="en-US" smtClean="0"/>
-              <a:t>2019/8/15</a:t>
+              <a:t>2019/12/16</a:t>
             </a:fld>
             <a:endParaRPr kumimoji="1" lang="ja-JP" altLang="en-US"/>
           </a:p>
@@ -1369,7 +1370,7 @@
     </p:spTree>
     <p:extLst>
       <p:ext uri="{BB962C8B-B14F-4D97-AF65-F5344CB8AC3E}">
-        <p14:creationId xmlns:p14="http://schemas.microsoft.com/office/powerpoint/2010/main" val="491533292"/>
+        <p14:creationId xmlns:p14="http://schemas.microsoft.com/office/powerpoint/2010/main" val="514639046"/>
       </p:ext>
     </p:extLst>
   </p:cSld>
@@ -1657,7 +1658,7 @@
     </p:spTree>
     <p:extLst>
       <p:ext uri="{BB962C8B-B14F-4D97-AF65-F5344CB8AC3E}">
-        <p14:creationId xmlns:p14="http://schemas.microsoft.com/office/powerpoint/2010/main" val="451122893"/>
+        <p14:creationId xmlns:p14="http://schemas.microsoft.com/office/powerpoint/2010/main" val="491533292"/>
       </p:ext>
     </p:extLst>
   </p:cSld>
@@ -1945,7 +1946,7 @@
     </p:spTree>
     <p:extLst>
       <p:ext uri="{BB962C8B-B14F-4D97-AF65-F5344CB8AC3E}">
-        <p14:creationId xmlns:p14="http://schemas.microsoft.com/office/powerpoint/2010/main" val="491533292"/>
+        <p14:creationId xmlns:p14="http://schemas.microsoft.com/office/powerpoint/2010/main" val="451122893"/>
       </p:ext>
     </p:extLst>
   </p:cSld>
@@ -2233,7 +2234,7 @@
     </p:spTree>
     <p:extLst>
       <p:ext uri="{BB962C8B-B14F-4D97-AF65-F5344CB8AC3E}">
-        <p14:creationId xmlns:p14="http://schemas.microsoft.com/office/powerpoint/2010/main" val="323497581"/>
+        <p14:creationId xmlns:p14="http://schemas.microsoft.com/office/powerpoint/2010/main" val="491533292"/>
       </p:ext>
     </p:extLst>
   </p:cSld>
@@ -2509,6 +2510,294 @@
                 </a:spcAft>
               </a:pPr>
               <a:t>7</a:t>
+            </a:fld>
+            <a:endParaRPr lang="en-US" altLang="ja-JP" dirty="0">
+              <a:solidFill>
+                <a:prstClr val="black"/>
+              </a:solidFill>
+            </a:endParaRPr>
+          </a:p>
+        </p:txBody>
+      </p:sp>
+    </p:spTree>
+    <p:extLst>
+      <p:ext uri="{BB962C8B-B14F-4D97-AF65-F5344CB8AC3E}">
+        <p14:creationId xmlns:p14="http://schemas.microsoft.com/office/powerpoint/2010/main" val="323497581"/>
+      </p:ext>
+    </p:extLst>
+  </p:cSld>
+  <p:clrMapOvr>
+    <a:masterClrMapping/>
+  </p:clrMapOvr>
+</p:notes>
+</file>
+
+<file path=ppt/notesSlides/notesSlide8.xml><?xml version="1.0" encoding="utf-8"?>
+<p:notes xmlns:a="http://schemas.openxmlformats.org/drawingml/2006/main" xmlns:r="http://schemas.openxmlformats.org/officeDocument/2006/relationships" xmlns:p="http://schemas.openxmlformats.org/presentationml/2006/main">
+  <p:cSld>
+    <p:spTree>
+      <p:nvGrpSpPr>
+        <p:cNvPr id="1" name=""/>
+        <p:cNvGrpSpPr/>
+        <p:nvPr/>
+      </p:nvGrpSpPr>
+      <p:grpSpPr>
+        <a:xfrm>
+          <a:off x="0" y="0"/>
+          <a:ext cx="0" cy="0"/>
+          <a:chOff x="0" y="0"/>
+          <a:chExt cx="0" cy="0"/>
+        </a:xfrm>
+      </p:grpSpPr>
+      <p:sp>
+        <p:nvSpPr>
+          <p:cNvPr id="13314" name="スライド イメージ プレースホルダー 1"/>
+          <p:cNvSpPr>
+            <a:spLocks noGrp="1" noRot="1" noChangeAspect="1" noTextEdit="1"/>
+          </p:cNvSpPr>
+          <p:nvPr>
+            <p:ph type="sldImg"/>
+          </p:nvPr>
+        </p:nvSpPr>
+        <p:spPr bwMode="auto">
+          <a:xfrm>
+            <a:off x="992188" y="768350"/>
+            <a:ext cx="5114925" cy="3836988"/>
+          </a:xfrm>
+          <a:noFill/>
+          <a:ln>
+            <a:solidFill>
+              <a:srgbClr val="000000"/>
+            </a:solidFill>
+            <a:miter lim="800000"/>
+            <a:headEnd/>
+            <a:tailEnd/>
+          </a:ln>
+          <a:extLst>
+            <a:ext uri="{909E8E84-426E-40DD-AFC4-6F175D3DCCD1}">
+              <a14:hiddenFill xmlns:a14="http://schemas.microsoft.com/office/drawing/2010/main">
+                <a:solidFill>
+                  <a:srgbClr val="FFFFFF"/>
+                </a:solidFill>
+              </a14:hiddenFill>
+            </a:ext>
+          </a:extLst>
+        </p:spPr>
+      </p:sp>
+      <p:sp>
+        <p:nvSpPr>
+          <p:cNvPr id="13315" name="ノート プレースホルダー 2"/>
+          <p:cNvSpPr>
+            <a:spLocks noGrp="1"/>
+          </p:cNvSpPr>
+          <p:nvPr>
+            <p:ph type="body" idx="1"/>
+          </p:nvPr>
+        </p:nvSpPr>
+        <p:spPr>
+          <a:noFill/>
+        </p:spPr>
+        <p:txBody>
+          <a:bodyPr/>
+          <a:lstStyle/>
+          <a:p>
+            <a:pPr>
+              <a:spcBef>
+                <a:spcPct val="0"/>
+              </a:spcBef>
+            </a:pPr>
+            <a:endParaRPr lang="ja-JP" altLang="en-US" sz="1800" dirty="0" smtClean="0"/>
+          </a:p>
+        </p:txBody>
+      </p:sp>
+      <p:sp>
+        <p:nvSpPr>
+          <p:cNvPr id="13316" name="スライド番号プレースホルダー 3"/>
+          <p:cNvSpPr txBox="1">
+            <a:spLocks noGrp="1"/>
+          </p:cNvSpPr>
+          <p:nvPr/>
+        </p:nvSpPr>
+        <p:spPr bwMode="auto">
+          <a:xfrm>
+            <a:off x="4021138" y="9721850"/>
+            <a:ext cx="3076575" cy="511175"/>
+          </a:xfrm>
+          <a:prstGeom prst="rect">
+            <a:avLst/>
+          </a:prstGeom>
+          <a:noFill/>
+          <a:ln>
+            <a:noFill/>
+          </a:ln>
+          <a:extLst>
+            <a:ext uri="{909E8E84-426E-40DD-AFC4-6F175D3DCCD1}">
+              <a14:hiddenFill xmlns:a14="http://schemas.microsoft.com/office/drawing/2010/main">
+                <a:solidFill>
+                  <a:srgbClr val="FFFFFF"/>
+                </a:solidFill>
+              </a14:hiddenFill>
+            </a:ext>
+            <a:ext uri="{91240B29-F687-4F45-9708-019B960494DF}">
+              <a14:hiddenLine xmlns:a14="http://schemas.microsoft.com/office/drawing/2010/main" w="9525">
+                <a:solidFill>
+                  <a:srgbClr val="000000"/>
+                </a:solidFill>
+                <a:miter lim="800000"/>
+                <a:headEnd/>
+                <a:tailEnd/>
+              </a14:hiddenLine>
+            </a:ext>
+          </a:extLst>
+        </p:spPr>
+        <p:txBody>
+          <a:bodyPr lIns="94640" tIns="47320" rIns="94640" bIns="47320" anchor="b"/>
+          <a:lstStyle>
+            <a:lvl1pPr defTabSz="946150">
+              <a:spcBef>
+                <a:spcPct val="30000"/>
+              </a:spcBef>
+              <a:defRPr kumimoji="1" sz="1200">
+                <a:solidFill>
+                  <a:schemeClr val="tx1"/>
+                </a:solidFill>
+                <a:latin typeface="Calibri" pitchFamily="34" charset="0"/>
+                <a:ea typeface="ＭＳ Ｐゴシック" pitchFamily="50" charset="-128"/>
+              </a:defRPr>
+            </a:lvl1pPr>
+            <a:lvl2pPr marL="768350" indent="-295275" defTabSz="946150">
+              <a:spcBef>
+                <a:spcPct val="30000"/>
+              </a:spcBef>
+              <a:defRPr kumimoji="1" sz="1200">
+                <a:solidFill>
+                  <a:schemeClr val="tx1"/>
+                </a:solidFill>
+                <a:latin typeface="Calibri" pitchFamily="34" charset="0"/>
+                <a:ea typeface="ＭＳ Ｐゴシック" pitchFamily="50" charset="-128"/>
+              </a:defRPr>
+            </a:lvl2pPr>
+            <a:lvl3pPr marL="1182688" indent="-236538" defTabSz="946150">
+              <a:spcBef>
+                <a:spcPct val="30000"/>
+              </a:spcBef>
+              <a:defRPr kumimoji="1" sz="1200">
+                <a:solidFill>
+                  <a:schemeClr val="tx1"/>
+                </a:solidFill>
+                <a:latin typeface="Calibri" pitchFamily="34" charset="0"/>
+                <a:ea typeface="ＭＳ Ｐゴシック" pitchFamily="50" charset="-128"/>
+              </a:defRPr>
+            </a:lvl3pPr>
+            <a:lvl4pPr marL="1655763" indent="-236538" defTabSz="946150">
+              <a:spcBef>
+                <a:spcPct val="30000"/>
+              </a:spcBef>
+              <a:defRPr kumimoji="1" sz="1200">
+                <a:solidFill>
+                  <a:schemeClr val="tx1"/>
+                </a:solidFill>
+                <a:latin typeface="Calibri" pitchFamily="34" charset="0"/>
+                <a:ea typeface="ＭＳ Ｐゴシック" pitchFamily="50" charset="-128"/>
+              </a:defRPr>
+            </a:lvl4pPr>
+            <a:lvl5pPr marL="2128838" indent="-236538" defTabSz="946150">
+              <a:spcBef>
+                <a:spcPct val="30000"/>
+              </a:spcBef>
+              <a:defRPr kumimoji="1" sz="1200">
+                <a:solidFill>
+                  <a:schemeClr val="tx1"/>
+                </a:solidFill>
+                <a:latin typeface="Calibri" pitchFamily="34" charset="0"/>
+                <a:ea typeface="ＭＳ Ｐゴシック" pitchFamily="50" charset="-128"/>
+              </a:defRPr>
+            </a:lvl5pPr>
+            <a:lvl6pPr marL="2586038" indent="-236538" defTabSz="946150" eaLnBrk="0" fontAlgn="base" hangingPunct="0">
+              <a:spcBef>
+                <a:spcPct val="30000"/>
+              </a:spcBef>
+              <a:spcAft>
+                <a:spcPct val="0"/>
+              </a:spcAft>
+              <a:defRPr kumimoji="1" sz="1200">
+                <a:solidFill>
+                  <a:schemeClr val="tx1"/>
+                </a:solidFill>
+                <a:latin typeface="Calibri" pitchFamily="34" charset="0"/>
+                <a:ea typeface="ＭＳ Ｐゴシック" pitchFamily="50" charset="-128"/>
+              </a:defRPr>
+            </a:lvl6pPr>
+            <a:lvl7pPr marL="3043238" indent="-236538" defTabSz="946150" eaLnBrk="0" fontAlgn="base" hangingPunct="0">
+              <a:spcBef>
+                <a:spcPct val="30000"/>
+              </a:spcBef>
+              <a:spcAft>
+                <a:spcPct val="0"/>
+              </a:spcAft>
+              <a:defRPr kumimoji="1" sz="1200">
+                <a:solidFill>
+                  <a:schemeClr val="tx1"/>
+                </a:solidFill>
+                <a:latin typeface="Calibri" pitchFamily="34" charset="0"/>
+                <a:ea typeface="ＭＳ Ｐゴシック" pitchFamily="50" charset="-128"/>
+              </a:defRPr>
+            </a:lvl7pPr>
+            <a:lvl8pPr marL="3500438" indent="-236538" defTabSz="946150" eaLnBrk="0" fontAlgn="base" hangingPunct="0">
+              <a:spcBef>
+                <a:spcPct val="30000"/>
+              </a:spcBef>
+              <a:spcAft>
+                <a:spcPct val="0"/>
+              </a:spcAft>
+              <a:defRPr kumimoji="1" sz="1200">
+                <a:solidFill>
+                  <a:schemeClr val="tx1"/>
+                </a:solidFill>
+                <a:latin typeface="Calibri" pitchFamily="34" charset="0"/>
+                <a:ea typeface="ＭＳ Ｐゴシック" pitchFamily="50" charset="-128"/>
+              </a:defRPr>
+            </a:lvl8pPr>
+            <a:lvl9pPr marL="3957638" indent="-236538" defTabSz="946150" eaLnBrk="0" fontAlgn="base" hangingPunct="0">
+              <a:spcBef>
+                <a:spcPct val="30000"/>
+              </a:spcBef>
+              <a:spcAft>
+                <a:spcPct val="0"/>
+              </a:spcAft>
+              <a:defRPr kumimoji="1" sz="1200">
+                <a:solidFill>
+                  <a:schemeClr val="tx1"/>
+                </a:solidFill>
+                <a:latin typeface="Calibri" pitchFamily="34" charset="0"/>
+                <a:ea typeface="ＭＳ Ｐゴシック" pitchFamily="50" charset="-128"/>
+              </a:defRPr>
+            </a:lvl9pPr>
+          </a:lstStyle>
+          <a:p>
+            <a:pPr algn="r" fontAlgn="base">
+              <a:spcBef>
+                <a:spcPct val="0"/>
+              </a:spcBef>
+              <a:spcAft>
+                <a:spcPct val="0"/>
+              </a:spcAft>
+            </a:pPr>
+            <a:fld id="{91354DFD-A574-4020-9875-E8EE80E50137}" type="slidenum">
+              <a:rPr lang="ja-JP" altLang="en-US">
+                <a:solidFill>
+                  <a:prstClr val="black"/>
+                </a:solidFill>
+              </a:rPr>
+              <a:pPr algn="r" fontAlgn="base">
+                <a:spcBef>
+                  <a:spcPct val="0"/>
+                </a:spcBef>
+                <a:spcAft>
+                  <a:spcPct val="0"/>
+                </a:spcAft>
+              </a:pPr>
+              <a:t>8</a:t>
             </a:fld>
             <a:endParaRPr lang="en-US" altLang="ja-JP" dirty="0">
               <a:solidFill>
@@ -2662,7 +2951,7 @@
           <a:p>
             <a:fld id="{63D1CD20-8055-49A0-A0CC-4A418A1BD2F7}" type="datetimeFigureOut">
               <a:rPr kumimoji="1" lang="ja-JP" altLang="en-US" smtClean="0"/>
-              <a:t>2019/8/15</a:t>
+              <a:t>2019/12/16</a:t>
             </a:fld>
             <a:endParaRPr kumimoji="1" lang="ja-JP" altLang="en-US"/>
           </a:p>
@@ -2864,7 +3153,7 @@
           <a:p>
             <a:fld id="{63D1CD20-8055-49A0-A0CC-4A418A1BD2F7}" type="datetimeFigureOut">
               <a:rPr kumimoji="1" lang="ja-JP" altLang="en-US" smtClean="0"/>
-              <a:t>2019/8/15</a:t>
+              <a:t>2019/12/16</a:t>
             </a:fld>
             <a:endParaRPr kumimoji="1" lang="ja-JP" altLang="en-US"/>
           </a:p>
@@ -3076,7 +3365,7 @@
           <a:p>
             <a:fld id="{63D1CD20-8055-49A0-A0CC-4A418A1BD2F7}" type="datetimeFigureOut">
               <a:rPr kumimoji="1" lang="ja-JP" altLang="en-US" smtClean="0"/>
-              <a:t>2019/8/15</a:t>
+              <a:t>2019/12/16</a:t>
             </a:fld>
             <a:endParaRPr kumimoji="1" lang="ja-JP" altLang="en-US"/>
           </a:p>
@@ -3779,7 +4068,7 @@
           <a:p>
             <a:fld id="{63D1CD20-8055-49A0-A0CC-4A418A1BD2F7}" type="datetimeFigureOut">
               <a:rPr kumimoji="1" lang="ja-JP" altLang="en-US" smtClean="0"/>
-              <a:t>2019/8/15</a:t>
+              <a:t>2019/12/16</a:t>
             </a:fld>
             <a:endParaRPr kumimoji="1" lang="ja-JP" altLang="en-US"/>
           </a:p>
@@ -4025,7 +4314,7 @@
           <a:p>
             <a:fld id="{63D1CD20-8055-49A0-A0CC-4A418A1BD2F7}" type="datetimeFigureOut">
               <a:rPr kumimoji="1" lang="ja-JP" altLang="en-US" smtClean="0"/>
-              <a:t>2019/8/15</a:t>
+              <a:t>2019/12/16</a:t>
             </a:fld>
             <a:endParaRPr kumimoji="1" lang="ja-JP" altLang="en-US"/>
           </a:p>
@@ -4321,7 +4610,7 @@
           <a:p>
             <a:fld id="{63D1CD20-8055-49A0-A0CC-4A418A1BD2F7}" type="datetimeFigureOut">
               <a:rPr kumimoji="1" lang="ja-JP" altLang="en-US" smtClean="0"/>
-              <a:t>2019/8/15</a:t>
+              <a:t>2019/12/16</a:t>
             </a:fld>
             <a:endParaRPr kumimoji="1" lang="ja-JP" altLang="en-US"/>
           </a:p>
@@ -4752,7 +5041,7 @@
           <a:p>
             <a:fld id="{63D1CD20-8055-49A0-A0CC-4A418A1BD2F7}" type="datetimeFigureOut">
               <a:rPr kumimoji="1" lang="ja-JP" altLang="en-US" smtClean="0"/>
-              <a:t>2019/8/15</a:t>
+              <a:t>2019/12/16</a:t>
             </a:fld>
             <a:endParaRPr kumimoji="1" lang="ja-JP" altLang="en-US"/>
           </a:p>
@@ -4870,7 +5159,7 @@
           <a:p>
             <a:fld id="{63D1CD20-8055-49A0-A0CC-4A418A1BD2F7}" type="datetimeFigureOut">
               <a:rPr kumimoji="1" lang="ja-JP" altLang="en-US" smtClean="0"/>
-              <a:t>2019/8/15</a:t>
+              <a:t>2019/12/16</a:t>
             </a:fld>
             <a:endParaRPr kumimoji="1" lang="ja-JP" altLang="en-US"/>
           </a:p>
@@ -4965,7 +5254,7 @@
           <a:p>
             <a:fld id="{63D1CD20-8055-49A0-A0CC-4A418A1BD2F7}" type="datetimeFigureOut">
               <a:rPr kumimoji="1" lang="ja-JP" altLang="en-US" smtClean="0"/>
-              <a:t>2019/8/15</a:t>
+              <a:t>2019/12/16</a:t>
             </a:fld>
             <a:endParaRPr kumimoji="1" lang="ja-JP" altLang="en-US"/>
           </a:p>
@@ -5274,7 +5563,7 @@
           <a:p>
             <a:fld id="{63D1CD20-8055-49A0-A0CC-4A418A1BD2F7}" type="datetimeFigureOut">
               <a:rPr kumimoji="1" lang="ja-JP" altLang="en-US" smtClean="0"/>
-              <a:t>2019/8/15</a:t>
+              <a:t>2019/12/16</a:t>
             </a:fld>
             <a:endParaRPr kumimoji="1" lang="ja-JP" altLang="en-US"/>
           </a:p>
@@ -5527,7 +5816,7 @@
           <a:p>
             <a:fld id="{63D1CD20-8055-49A0-A0CC-4A418A1BD2F7}" type="datetimeFigureOut">
               <a:rPr kumimoji="1" lang="ja-JP" altLang="en-US" smtClean="0"/>
-              <a:t>2019/8/15</a:t>
+              <a:t>2019/12/16</a:t>
             </a:fld>
             <a:endParaRPr kumimoji="1" lang="ja-JP" altLang="en-US"/>
           </a:p>
@@ -5772,7 +6061,7 @@
           <a:p>
             <a:fld id="{63D1CD20-8055-49A0-A0CC-4A418A1BD2F7}" type="datetimeFigureOut">
               <a:rPr kumimoji="1" lang="ja-JP" altLang="en-US" smtClean="0"/>
-              <a:t>2019/8/15</a:t>
+              <a:t>2019/12/16</a:t>
             </a:fld>
             <a:endParaRPr kumimoji="1" lang="ja-JP" altLang="en-US"/>
           </a:p>
@@ -8208,8 +8497,8 @@
         </p:nvSpPr>
         <p:spPr>
           <a:xfrm>
-            <a:off x="2842334" y="5653471"/>
-            <a:ext cx="2948866" cy="784830"/>
+            <a:off x="4907824" y="5636166"/>
+            <a:ext cx="2499240" cy="784830"/>
           </a:xfrm>
           <a:prstGeom prst="rect">
             <a:avLst/>
@@ -8575,7 +8864,7 @@
                 <a:ea typeface="Meiryo UI" panose="020B0604030504040204" pitchFamily="50" charset="-128"/>
                 <a:cs typeface="Meiryo UI" panose="020B0604030504040204" pitchFamily="50" charset="-128"/>
               </a:rPr>
-              <a:t>300</a:t>
+              <a:t>400</a:t>
             </a:r>
             <a:r>
               <a:rPr lang="ja-JP" altLang="en-US" sz="800" dirty="0" smtClean="0">
@@ -8627,7 +8916,7 @@
           <a:p>
             <a:pPr algn="ctr"/>
             <a:r>
-              <a:rPr lang="en-US" altLang="ja-JP" sz="800" dirty="0" smtClean="0">
+              <a:rPr lang="en-US" altLang="ja-JP" sz="800" smtClean="0">
                 <a:solidFill>
                   <a:schemeClr val="tx1"/>
                 </a:solidFill>
@@ -8635,7 +8924,7 @@
                 <a:ea typeface="Meiryo UI" panose="020B0604030504040204" pitchFamily="50" charset="-128"/>
                 <a:cs typeface="Meiryo UI" panose="020B0604030504040204" pitchFamily="50" charset="-128"/>
               </a:rPr>
-              <a:t>1000</a:t>
+              <a:t>4000</a:t>
             </a:r>
             <a:r>
               <a:rPr lang="ja-JP" altLang="en-US" sz="800" dirty="0" smtClean="0">
@@ -8935,7 +9224,7 @@
                 <a:ea typeface="Meiryo UI" panose="020B0604030504040204" pitchFamily="50" charset="-128"/>
                 <a:cs typeface="Meiryo UI" panose="020B0604030504040204" pitchFamily="50" charset="-128"/>
               </a:rPr>
-              <a:t> = 300</a:t>
+              <a:t> = 400</a:t>
             </a:r>
             <a:endParaRPr lang="ja-JP" altLang="en-US" sz="1050" dirty="0">
               <a:latin typeface="Meiryo UI" panose="020B0604030504040204" pitchFamily="50" charset="-128"/>
@@ -9798,6 +10087,71 @@
               <a:solidFill>
                 <a:schemeClr val="tx1"/>
               </a:solidFill>
+              <a:latin typeface="Meiryo UI" panose="020B0604030504040204" pitchFamily="50" charset="-128"/>
+              <a:ea typeface="Meiryo UI" panose="020B0604030504040204" pitchFamily="50" charset="-128"/>
+              <a:cs typeface="Meiryo UI" panose="020B0604030504040204" pitchFamily="50" charset="-128"/>
+            </a:endParaRPr>
+          </a:p>
+        </p:txBody>
+      </p:sp>
+      <p:sp>
+        <p:nvSpPr>
+          <p:cNvPr id="40" name="テキスト ボックス 39"/>
+          <p:cNvSpPr txBox="1"/>
+          <p:nvPr/>
+        </p:nvSpPr>
+        <p:spPr>
+          <a:xfrm>
+            <a:off x="2917137" y="5646740"/>
+            <a:ext cx="2499240" cy="784830"/>
+          </a:xfrm>
+          <a:prstGeom prst="rect">
+            <a:avLst/>
+          </a:prstGeom>
+          <a:noFill/>
+        </p:spPr>
+        <p:txBody>
+          <a:bodyPr wrap="square" rtlCol="0">
+            <a:spAutoFit/>
+          </a:bodyPr>
+          <a:lstStyle/>
+          <a:p>
+            <a:r>
+              <a:rPr lang="en-US" altLang="ja-JP" sz="1050" dirty="0" smtClean="0">
+                <a:latin typeface="Meiryo UI" panose="020B0604030504040204" pitchFamily="50" charset="-128"/>
+                <a:ea typeface="Meiryo UI" panose="020B0604030504040204" pitchFamily="50" charset="-128"/>
+                <a:cs typeface="Meiryo UI" panose="020B0604030504040204" pitchFamily="50" charset="-128"/>
+              </a:rPr>
+              <a:t>ServerLimit:1000</a:t>
+            </a:r>
+            <a:endParaRPr lang="en-US" altLang="ja-JP" sz="1050" dirty="0">
+              <a:latin typeface="Meiryo UI" panose="020B0604030504040204" pitchFamily="50" charset="-128"/>
+              <a:ea typeface="Meiryo UI" panose="020B0604030504040204" pitchFamily="50" charset="-128"/>
+              <a:cs typeface="Meiryo UI" panose="020B0604030504040204" pitchFamily="50" charset="-128"/>
+            </a:endParaRPr>
+          </a:p>
+          <a:p>
+            <a:r>
+              <a:rPr lang="en-US" altLang="ja-JP" sz="1050" dirty="0" smtClean="0">
+                <a:latin typeface="Meiryo UI" panose="020B0604030504040204" pitchFamily="50" charset="-128"/>
+                <a:ea typeface="Meiryo UI" panose="020B0604030504040204" pitchFamily="50" charset="-128"/>
+                <a:cs typeface="Meiryo UI" panose="020B0604030504040204" pitchFamily="50" charset="-128"/>
+              </a:rPr>
+              <a:t>MaxClients:1000</a:t>
+            </a:r>
+          </a:p>
+          <a:p>
+            <a:r>
+              <a:rPr lang="en-US" altLang="ja-JP" sz="1050" dirty="0" smtClean="0">
+                <a:latin typeface="Meiryo UI" panose="020B0604030504040204" pitchFamily="50" charset="-128"/>
+                <a:ea typeface="Meiryo UI" panose="020B0604030504040204" pitchFamily="50" charset="-128"/>
+                <a:cs typeface="Meiryo UI" panose="020B0604030504040204" pitchFamily="50" charset="-128"/>
+              </a:rPr>
+              <a:t>ListenBacklog:3000</a:t>
+            </a:r>
+          </a:p>
+          <a:p>
+            <a:endParaRPr lang="ja-JP" altLang="en-US" sz="1350" dirty="0">
               <a:latin typeface="Meiryo UI" panose="020B0604030504040204" pitchFamily="50" charset="-128"/>
               <a:ea typeface="Meiryo UI" panose="020B0604030504040204" pitchFamily="50" charset="-128"/>
               <a:cs typeface="Meiryo UI" panose="020B0604030504040204" pitchFamily="50" charset="-128"/>
@@ -10242,6 +10596,957 @@
       </p:sp>
       <p:sp>
         <p:nvSpPr>
+          <p:cNvPr id="7" name="タイトル 1"/>
+          <p:cNvSpPr>
+            <a:spLocks noGrp="1"/>
+          </p:cNvSpPr>
+          <p:nvPr>
+            <p:ph type="title" idx="4294967295"/>
+          </p:nvPr>
+        </p:nvSpPr>
+        <p:spPr>
+          <a:xfrm>
+            <a:off x="264015" y="433387"/>
+            <a:ext cx="8229600" cy="561975"/>
+          </a:xfrm>
+          <a:noFill/>
+          <a:ln>
+            <a:noFill/>
+          </a:ln>
+          <a:extLst>
+            <a:ext uri="{909E8E84-426E-40DD-AFC4-6F175D3DCCD1}">
+              <a14:hiddenFill xmlns:a14="http://schemas.microsoft.com/office/drawing/2010/main">
+                <a:solidFill>
+                  <a:srgbClr val="FFFFFF"/>
+                </a:solidFill>
+              </a14:hiddenFill>
+            </a:ext>
+            <a:ext uri="{91240B29-F687-4F45-9708-019B960494DF}">
+              <a14:hiddenLine xmlns:a14="http://schemas.microsoft.com/office/drawing/2010/main" w="9525">
+                <a:solidFill>
+                  <a:srgbClr val="000000"/>
+                </a:solidFill>
+                <a:miter lim="800000"/>
+                <a:headEnd/>
+                <a:tailEnd/>
+              </a14:hiddenLine>
+            </a:ext>
+          </a:extLst>
+        </p:spPr>
+        <p:txBody>
+          <a:bodyPr vert="horz" wrap="square" lIns="91440" tIns="45720" rIns="91440" bIns="45720" numCol="1" anchor="ctr" anchorCtr="0" compatLnSpc="1">
+            <a:prstTxWarp prst="textNoShape">
+              <a:avLst/>
+            </a:prstTxWarp>
+          </a:bodyPr>
+          <a:lstStyle/>
+          <a:p>
+            <a:pPr algn="l" eaLnBrk="1" latinLnBrk="1" hangingPunct="1">
+              <a:lnSpc>
+                <a:spcPct val="110000"/>
+              </a:lnSpc>
+              <a:spcBef>
+                <a:spcPct val="25000"/>
+              </a:spcBef>
+            </a:pPr>
+            <a:r>
+              <a:rPr lang="ja-JP" altLang="en-US" sz="2800" dirty="0" smtClean="0">
+                <a:solidFill>
+                  <a:schemeClr val="tx2"/>
+                </a:solidFill>
+                <a:latin typeface="Meiryo UI" pitchFamily="50" charset="-128"/>
+                <a:ea typeface="Meiryo UI" pitchFamily="50" charset="-128"/>
+                <a:cs typeface="Meiryo UI" pitchFamily="50" charset="-128"/>
+              </a:rPr>
+              <a:t>システム概念図説明</a:t>
+            </a:r>
+            <a:endParaRPr lang="ja-JP" altLang="en-US" sz="2800" dirty="0">
+              <a:solidFill>
+                <a:schemeClr val="tx2"/>
+              </a:solidFill>
+              <a:latin typeface="Meiryo UI" pitchFamily="50" charset="-128"/>
+              <a:ea typeface="Meiryo UI" pitchFamily="50" charset="-128"/>
+              <a:cs typeface="Meiryo UI" pitchFamily="50" charset="-128"/>
+            </a:endParaRPr>
+          </a:p>
+        </p:txBody>
+      </p:sp>
+      <p:graphicFrame>
+        <p:nvGraphicFramePr>
+          <p:cNvPr id="2" name="表 1"/>
+          <p:cNvGraphicFramePr>
+            <a:graphicFrameLocks noGrp="1"/>
+          </p:cNvGraphicFramePr>
+          <p:nvPr>
+            <p:extLst>
+              <p:ext uri="{D42A27DB-BD31-4B8C-83A1-F6EECF244321}">
+                <p14:modId xmlns:p14="http://schemas.microsoft.com/office/powerpoint/2010/main" val="3836892309"/>
+              </p:ext>
+            </p:extLst>
+          </p:nvPr>
+        </p:nvGraphicFramePr>
+        <p:xfrm>
+          <a:off x="264014" y="1204054"/>
+          <a:ext cx="8628315" cy="3848100"/>
+        </p:xfrm>
+        <a:graphic>
+          <a:graphicData uri="http://schemas.openxmlformats.org/drawingml/2006/table">
+            <a:tbl>
+              <a:tblPr firstRow="1" bandRow="1">
+                <a:tableStyleId>{5C22544A-7EE6-4342-B048-85BDC9FD1C3A}</a:tableStyleId>
+              </a:tblPr>
+              <a:tblGrid>
+                <a:gridCol w="2026180"/>
+                <a:gridCol w="2181138"/>
+                <a:gridCol w="4420997"/>
+              </a:tblGrid>
+              <a:tr h="370840">
+                <a:tc>
+                  <a:txBody>
+                    <a:bodyPr/>
+                    <a:lstStyle/>
+                    <a:p>
+                      <a:r>
+                        <a:rPr kumimoji="1" lang="ja-JP" altLang="en-US" dirty="0" smtClean="0"/>
+                        <a:t>項目</a:t>
+                      </a:r>
+                      <a:endParaRPr kumimoji="1" lang="ja-JP" altLang="en-US" dirty="0"/>
+                    </a:p>
+                  </a:txBody>
+                  <a:tcPr/>
+                </a:tc>
+                <a:tc>
+                  <a:txBody>
+                    <a:bodyPr/>
+                    <a:lstStyle/>
+                    <a:p>
+                      <a:r>
+                        <a:rPr kumimoji="1" lang="ja-JP" altLang="en-US" dirty="0" smtClean="0"/>
+                        <a:t>デフォルト</a:t>
+                      </a:r>
+                      <a:endParaRPr kumimoji="1" lang="ja-JP" altLang="en-US" dirty="0"/>
+                    </a:p>
+                  </a:txBody>
+                  <a:tcPr/>
+                </a:tc>
+                <a:tc>
+                  <a:txBody>
+                    <a:bodyPr/>
+                    <a:lstStyle/>
+                    <a:p>
+                      <a:endParaRPr kumimoji="1" lang="ja-JP" altLang="en-US"/>
+                    </a:p>
+                  </a:txBody>
+                  <a:tcPr/>
+                </a:tc>
+              </a:tr>
+              <a:tr h="370840">
+                <a:tc>
+                  <a:txBody>
+                    <a:bodyPr/>
+                    <a:lstStyle/>
+                    <a:p>
+                      <a:r>
+                        <a:rPr kumimoji="1" lang="en-US" altLang="ja-JP" dirty="0" err="1" smtClean="0"/>
+                        <a:t>ListenBackLog</a:t>
+                      </a:r>
+                      <a:endParaRPr kumimoji="1" lang="ja-JP" altLang="en-US" dirty="0"/>
+                    </a:p>
+                  </a:txBody>
+                  <a:tcPr/>
+                </a:tc>
+                <a:tc>
+                  <a:txBody>
+                    <a:bodyPr/>
+                    <a:lstStyle/>
+                    <a:p>
+                      <a:r>
+                        <a:rPr kumimoji="1" lang="en-US" altLang="ja-JP" dirty="0" smtClean="0"/>
+                        <a:t>Window32/64: </a:t>
+                      </a:r>
+                    </a:p>
+                    <a:p>
+                      <a:r>
+                        <a:rPr kumimoji="1" lang="en-US" altLang="ja-JP" dirty="0" smtClean="0"/>
+                        <a:t>200</a:t>
+                      </a:r>
+                    </a:p>
+                    <a:p>
+                      <a:r>
+                        <a:rPr kumimoji="1" lang="en-US" altLang="ja-JP" baseline="0" dirty="0" smtClean="0"/>
+                        <a:t>Solaris32/64,Linux32/64: </a:t>
+                      </a:r>
+                    </a:p>
+                    <a:p>
+                      <a:r>
+                        <a:rPr kumimoji="1" lang="en-US" altLang="ja-JP" dirty="0" smtClean="0"/>
+                        <a:t>511</a:t>
+                      </a:r>
+                      <a:endParaRPr kumimoji="1" lang="ja-JP" altLang="en-US" dirty="0"/>
+                    </a:p>
+                  </a:txBody>
+                  <a:tcPr/>
+                </a:tc>
+                <a:tc>
+                  <a:txBody>
+                    <a:bodyPr/>
+                    <a:lstStyle/>
+                    <a:p>
+                      <a:r>
+                        <a:rPr kumimoji="1" lang="en-US" altLang="ja-JP" dirty="0" smtClean="0"/>
+                        <a:t>TCP</a:t>
+                      </a:r>
+                      <a:r>
+                        <a:rPr kumimoji="1" lang="ja-JP" altLang="en-US" dirty="0" smtClean="0"/>
+                        <a:t>コネクションが確立しているリクエストをキューイングする接続待ちキューの最大数</a:t>
+                      </a:r>
+                      <a:endParaRPr kumimoji="1" lang="en-US" altLang="ja-JP" dirty="0" smtClean="0"/>
+                    </a:p>
+                    <a:p>
+                      <a:r>
+                        <a:rPr kumimoji="1" lang="ja-JP" altLang="en-US" dirty="0" smtClean="0"/>
+                        <a:t>接続待ちキューの最大数の指定範囲</a:t>
+                      </a:r>
+                      <a:endParaRPr kumimoji="1" lang="en-US" altLang="ja-JP" dirty="0" smtClean="0"/>
+                    </a:p>
+                    <a:p>
+                      <a:r>
+                        <a:rPr kumimoji="1" lang="en-US" altLang="ja-JP" dirty="0" smtClean="0"/>
+                        <a:t>Window32/64:</a:t>
+                      </a:r>
+                      <a:r>
+                        <a:rPr kumimoji="1" lang="en-US" altLang="ja-JP" baseline="0" dirty="0" smtClean="0"/>
+                        <a:t> 1</a:t>
+                      </a:r>
+                      <a:r>
+                        <a:rPr kumimoji="1" lang="ja-JP" altLang="en-US" baseline="0" dirty="0" smtClean="0"/>
+                        <a:t>～</a:t>
+                      </a:r>
+                      <a:r>
+                        <a:rPr kumimoji="1" lang="en-US" altLang="ja-JP" baseline="0" dirty="0" smtClean="0"/>
+                        <a:t>200</a:t>
+                      </a:r>
+                    </a:p>
+                    <a:p>
+                      <a:r>
+                        <a:rPr kumimoji="1" lang="en-US" altLang="ja-JP" baseline="0" dirty="0" smtClean="0"/>
+                        <a:t>Solaris32/64,Linux32/64: 1</a:t>
+                      </a:r>
+                      <a:r>
+                        <a:rPr kumimoji="1" lang="ja-JP" altLang="en-US" baseline="0" dirty="0" smtClean="0"/>
+                        <a:t>～</a:t>
+                      </a:r>
+                      <a:r>
+                        <a:rPr kumimoji="1" lang="en-US" altLang="ja-JP" baseline="0" dirty="0" smtClean="0"/>
+                        <a:t>2147483647</a:t>
+                      </a:r>
+                      <a:endParaRPr kumimoji="1" lang="ja-JP" altLang="en-US" dirty="0"/>
+                    </a:p>
+                  </a:txBody>
+                  <a:tcPr/>
+                </a:tc>
+              </a:tr>
+              <a:tr h="370840">
+                <a:tc>
+                  <a:txBody>
+                    <a:bodyPr/>
+                    <a:lstStyle/>
+                    <a:p>
+                      <a:r>
+                        <a:rPr kumimoji="1" lang="en-US" altLang="ja-JP" dirty="0" err="1" smtClean="0"/>
+                        <a:t>tcp_max_syn_backlog</a:t>
+                      </a:r>
+                      <a:endParaRPr kumimoji="1" lang="ja-JP" altLang="en-US" dirty="0"/>
+                    </a:p>
+                  </a:txBody>
+                  <a:tcPr/>
+                </a:tc>
+                <a:tc>
+                  <a:txBody>
+                    <a:bodyPr/>
+                    <a:lstStyle/>
+                    <a:p>
+                      <a:endParaRPr kumimoji="1" lang="ja-JP" altLang="en-US" dirty="0"/>
+                    </a:p>
+                  </a:txBody>
+                  <a:tcPr/>
+                </a:tc>
+                <a:tc>
+                  <a:txBody>
+                    <a:bodyPr/>
+                    <a:lstStyle/>
+                    <a:p>
+                      <a:r>
+                        <a:rPr kumimoji="1" lang="ja-JP" altLang="en-US" dirty="0" smtClean="0"/>
+                        <a:t>要確認</a:t>
+                      </a:r>
+                      <a:endParaRPr kumimoji="1" lang="ja-JP" altLang="en-US" dirty="0"/>
+                    </a:p>
+                  </a:txBody>
+                  <a:tcPr/>
+                </a:tc>
+              </a:tr>
+              <a:tr h="370840">
+                <a:tc>
+                  <a:txBody>
+                    <a:bodyPr/>
+                    <a:lstStyle/>
+                    <a:p>
+                      <a:r>
+                        <a:rPr kumimoji="1" lang="en-US" altLang="ja-JP" dirty="0" err="1" smtClean="0"/>
+                        <a:t>MaxClients</a:t>
+                      </a:r>
+                      <a:endParaRPr kumimoji="1" lang="ja-JP" altLang="en-US" dirty="0"/>
+                    </a:p>
+                  </a:txBody>
+                  <a:tcPr/>
+                </a:tc>
+                <a:tc>
+                  <a:txBody>
+                    <a:bodyPr/>
+                    <a:lstStyle/>
+                    <a:p>
+                      <a:r>
+                        <a:rPr kumimoji="1" lang="en-US" altLang="ja-JP" dirty="0" smtClean="0"/>
+                        <a:t>256</a:t>
+                      </a:r>
+                      <a:endParaRPr kumimoji="1" lang="ja-JP" altLang="en-US" dirty="0"/>
+                    </a:p>
+                  </a:txBody>
+                  <a:tcPr/>
+                </a:tc>
+                <a:tc>
+                  <a:txBody>
+                    <a:bodyPr/>
+                    <a:lstStyle/>
+                    <a:p>
+                      <a:r>
+                        <a:rPr kumimoji="1" lang="ja-JP" altLang="en-US" dirty="0" smtClean="0"/>
+                        <a:t>応答することのできる同時リクエスト数</a:t>
+                      </a:r>
+                      <a:endParaRPr kumimoji="1" lang="ja-JP" altLang="en-US" dirty="0"/>
+                    </a:p>
+                  </a:txBody>
+                  <a:tcPr/>
+                </a:tc>
+              </a:tr>
+              <a:tr h="370840">
+                <a:tc>
+                  <a:txBody>
+                    <a:bodyPr/>
+                    <a:lstStyle/>
+                    <a:p>
+                      <a:r>
+                        <a:rPr kumimoji="1" lang="en-US" altLang="ja-JP" dirty="0" err="1" smtClean="0"/>
+                        <a:t>ServerLimit</a:t>
+                      </a:r>
+                      <a:endParaRPr kumimoji="1" lang="ja-JP" altLang="en-US" dirty="0"/>
+                    </a:p>
+                  </a:txBody>
+                  <a:tcPr/>
+                </a:tc>
+                <a:tc>
+                  <a:txBody>
+                    <a:bodyPr/>
+                    <a:lstStyle/>
+                    <a:p>
+                      <a:r>
+                        <a:rPr kumimoji="1" lang="en-US" altLang="ja-JP" dirty="0" smtClean="0"/>
+                        <a:t>256</a:t>
+                      </a:r>
+                      <a:endParaRPr kumimoji="1" lang="ja-JP" altLang="en-US" dirty="0"/>
+                    </a:p>
+                  </a:txBody>
+                  <a:tcPr/>
+                </a:tc>
+                <a:tc>
+                  <a:txBody>
+                    <a:bodyPr/>
+                    <a:lstStyle/>
+                    <a:p>
+                      <a:r>
+                        <a:rPr kumimoji="1" lang="en-US" altLang="ja-JP" dirty="0" smtClean="0"/>
+                        <a:t>Apache </a:t>
+                      </a:r>
+                      <a:r>
+                        <a:rPr kumimoji="1" lang="ja-JP" altLang="en-US" dirty="0" smtClean="0"/>
+                        <a:t>プロセス稼働中における </a:t>
+                      </a:r>
+                      <a:r>
+                        <a:rPr kumimoji="1" lang="en-US" altLang="ja-JP" dirty="0" err="1" smtClean="0"/>
+                        <a:t>MaxClients</a:t>
+                      </a:r>
+                      <a:r>
+                        <a:rPr kumimoji="1" lang="en-US" altLang="ja-JP" dirty="0" smtClean="0"/>
+                        <a:t> </a:t>
+                      </a:r>
+                      <a:r>
+                        <a:rPr kumimoji="1" lang="ja-JP" altLang="en-US" dirty="0" smtClean="0"/>
+                        <a:t>に設定可能な上限値を設定</a:t>
+                      </a:r>
+                      <a:r>
+                        <a:rPr kumimoji="1" lang="ja-JP" altLang="en-US" smtClean="0"/>
+                        <a:t>すること、</a:t>
+                      </a:r>
+                      <a:r>
+                        <a:rPr kumimoji="1" lang="en-US" altLang="ja-JP" sz="1350" b="0" i="0" kern="1200" smtClean="0">
+                          <a:solidFill>
+                            <a:schemeClr val="dk1"/>
+                          </a:solidFill>
+                          <a:effectLst/>
+                          <a:latin typeface="+mn-lt"/>
+                          <a:ea typeface="+mn-ea"/>
+                          <a:cs typeface="+mn-cs"/>
+                        </a:rPr>
+                        <a:t>20000</a:t>
+                      </a:r>
+                      <a:r>
+                        <a:rPr kumimoji="1" lang="ja-JP" altLang="en-US" sz="1350" b="0" i="0" kern="1200" dirty="0" smtClean="0">
+                          <a:solidFill>
+                            <a:schemeClr val="dk1"/>
+                          </a:solidFill>
+                          <a:effectLst/>
+                          <a:latin typeface="+mn-lt"/>
+                          <a:ea typeface="+mn-ea"/>
+                          <a:cs typeface="+mn-cs"/>
+                        </a:rPr>
+                        <a:t>以下の制限がある</a:t>
+                      </a:r>
+                      <a:endParaRPr kumimoji="1" lang="ja-JP" altLang="en-US" dirty="0"/>
+                    </a:p>
+                  </a:txBody>
+                  <a:tcPr/>
+                </a:tc>
+              </a:tr>
+              <a:tr h="370840">
+                <a:tc>
+                  <a:txBody>
+                    <a:bodyPr/>
+                    <a:lstStyle/>
+                    <a:p>
+                      <a:endParaRPr kumimoji="1" lang="ja-JP" altLang="en-US" dirty="0"/>
+                    </a:p>
+                  </a:txBody>
+                  <a:tcPr/>
+                </a:tc>
+                <a:tc>
+                  <a:txBody>
+                    <a:bodyPr/>
+                    <a:lstStyle/>
+                    <a:p>
+                      <a:endParaRPr kumimoji="1" lang="ja-JP" altLang="en-US"/>
+                    </a:p>
+                  </a:txBody>
+                  <a:tcPr/>
+                </a:tc>
+                <a:tc>
+                  <a:txBody>
+                    <a:bodyPr/>
+                    <a:lstStyle/>
+                    <a:p>
+                      <a:endParaRPr kumimoji="1" lang="ja-JP" altLang="en-US"/>
+                    </a:p>
+                  </a:txBody>
+                  <a:tcPr/>
+                </a:tc>
+              </a:tr>
+              <a:tr h="370840">
+                <a:tc>
+                  <a:txBody>
+                    <a:bodyPr/>
+                    <a:lstStyle/>
+                    <a:p>
+                      <a:endParaRPr kumimoji="1" lang="ja-JP" altLang="en-US"/>
+                    </a:p>
+                  </a:txBody>
+                  <a:tcPr/>
+                </a:tc>
+                <a:tc>
+                  <a:txBody>
+                    <a:bodyPr/>
+                    <a:lstStyle/>
+                    <a:p>
+                      <a:endParaRPr kumimoji="1" lang="ja-JP" altLang="en-US"/>
+                    </a:p>
+                  </a:txBody>
+                  <a:tcPr/>
+                </a:tc>
+                <a:tc>
+                  <a:txBody>
+                    <a:bodyPr/>
+                    <a:lstStyle/>
+                    <a:p>
+                      <a:endParaRPr kumimoji="1" lang="ja-JP" altLang="en-US"/>
+                    </a:p>
+                  </a:txBody>
+                  <a:tcPr/>
+                </a:tc>
+              </a:tr>
+              <a:tr h="370840">
+                <a:tc>
+                  <a:txBody>
+                    <a:bodyPr/>
+                    <a:lstStyle/>
+                    <a:p>
+                      <a:endParaRPr kumimoji="1" lang="ja-JP" altLang="en-US" dirty="0"/>
+                    </a:p>
+                  </a:txBody>
+                  <a:tcPr/>
+                </a:tc>
+                <a:tc>
+                  <a:txBody>
+                    <a:bodyPr/>
+                    <a:lstStyle/>
+                    <a:p>
+                      <a:endParaRPr kumimoji="1" lang="ja-JP" altLang="en-US"/>
+                    </a:p>
+                  </a:txBody>
+                  <a:tcPr/>
+                </a:tc>
+                <a:tc>
+                  <a:txBody>
+                    <a:bodyPr/>
+                    <a:lstStyle/>
+                    <a:p>
+                      <a:endParaRPr kumimoji="1" lang="ja-JP" altLang="en-US" dirty="0"/>
+                    </a:p>
+                  </a:txBody>
+                  <a:tcPr/>
+                </a:tc>
+              </a:tr>
+            </a:tbl>
+          </a:graphicData>
+        </a:graphic>
+      </p:graphicFrame>
+    </p:spTree>
+    <p:extLst>
+      <p:ext uri="{BB962C8B-B14F-4D97-AF65-F5344CB8AC3E}">
+        <p14:creationId xmlns:p14="http://schemas.microsoft.com/office/powerpoint/2010/main" val="867945330"/>
+      </p:ext>
+    </p:extLst>
+  </p:cSld>
+  <p:clrMapOvr>
+    <a:masterClrMapping/>
+  </p:clrMapOvr>
+  <p:timing>
+    <p:tnLst>
+      <p:par>
+        <p:cTn id="1" dur="indefinite" restart="never" nodeType="tmRoot"/>
+      </p:par>
+    </p:tnLst>
+  </p:timing>
+</p:sld>
+</file>
+
+<file path=ppt/slides/slide4.xml><?xml version="1.0" encoding="utf-8"?>
+<p:sld xmlns:a="http://schemas.openxmlformats.org/drawingml/2006/main" xmlns:r="http://schemas.openxmlformats.org/officeDocument/2006/relationships" xmlns:p="http://schemas.openxmlformats.org/presentationml/2006/main">
+  <p:cSld>
+    <p:spTree>
+      <p:nvGrpSpPr>
+        <p:cNvPr id="1" name=""/>
+        <p:cNvGrpSpPr/>
+        <p:nvPr/>
+      </p:nvGrpSpPr>
+      <p:grpSpPr>
+        <a:xfrm>
+          <a:off x="0" y="0"/>
+          <a:ext cx="0" cy="0"/>
+          <a:chOff x="0" y="0"/>
+          <a:chExt cx="0" cy="0"/>
+        </a:xfrm>
+      </p:grpSpPr>
+      <p:sp>
+        <p:nvSpPr>
+          <p:cNvPr id="3075" name="タイトル 1"/>
+          <p:cNvSpPr txBox="1">
+            <a:spLocks/>
+          </p:cNvSpPr>
+          <p:nvPr/>
+        </p:nvSpPr>
+        <p:spPr bwMode="auto">
+          <a:xfrm>
+            <a:off x="1331119" y="1538289"/>
+            <a:ext cx="5829300" cy="594122"/>
+          </a:xfrm>
+          <a:prstGeom prst="rect">
+            <a:avLst/>
+          </a:prstGeom>
+          <a:noFill/>
+          <a:ln>
+            <a:noFill/>
+          </a:ln>
+          <a:extLst>
+            <a:ext uri="{909E8E84-426E-40DD-AFC4-6F175D3DCCD1}">
+              <a14:hiddenFill xmlns:a14="http://schemas.microsoft.com/office/drawing/2010/main">
+                <a:solidFill>
+                  <a:srgbClr val="FFFFFF"/>
+                </a:solidFill>
+              </a14:hiddenFill>
+            </a:ext>
+            <a:ext uri="{91240B29-F687-4F45-9708-019B960494DF}">
+              <a14:hiddenLine xmlns:a14="http://schemas.microsoft.com/office/drawing/2010/main" w="9525">
+                <a:solidFill>
+                  <a:srgbClr val="000000"/>
+                </a:solidFill>
+                <a:miter lim="800000"/>
+                <a:headEnd/>
+                <a:tailEnd/>
+              </a14:hiddenLine>
+            </a:ext>
+          </a:extLst>
+        </p:spPr>
+        <p:txBody>
+          <a:bodyPr anchor="ctr"/>
+          <a:lstStyle>
+            <a:lvl1pPr>
+              <a:spcBef>
+                <a:spcPct val="20000"/>
+              </a:spcBef>
+              <a:buFont typeface="Arial" charset="0"/>
+              <a:buChar char="•"/>
+              <a:defRPr kumimoji="1" sz="3200">
+                <a:solidFill>
+                  <a:schemeClr val="tx1"/>
+                </a:solidFill>
+                <a:latin typeface="Arial" charset="0"/>
+              </a:defRPr>
+            </a:lvl1pPr>
+            <a:lvl2pPr marL="742950" indent="-285750">
+              <a:spcBef>
+                <a:spcPct val="20000"/>
+              </a:spcBef>
+              <a:buFont typeface="Arial" charset="0"/>
+              <a:buChar char="–"/>
+              <a:defRPr kumimoji="1" sz="2800">
+                <a:solidFill>
+                  <a:schemeClr val="tx1"/>
+                </a:solidFill>
+                <a:latin typeface="Arial" charset="0"/>
+              </a:defRPr>
+            </a:lvl2pPr>
+            <a:lvl3pPr marL="1143000" indent="-228600">
+              <a:spcBef>
+                <a:spcPct val="20000"/>
+              </a:spcBef>
+              <a:buFont typeface="Arial" charset="0"/>
+              <a:buChar char="•"/>
+              <a:defRPr kumimoji="1" sz="2400">
+                <a:solidFill>
+                  <a:schemeClr val="tx1"/>
+                </a:solidFill>
+                <a:latin typeface="Arial" charset="0"/>
+              </a:defRPr>
+            </a:lvl3pPr>
+            <a:lvl4pPr marL="1600200" indent="-228600">
+              <a:spcBef>
+                <a:spcPct val="20000"/>
+              </a:spcBef>
+              <a:buFont typeface="Arial" charset="0"/>
+              <a:buChar char="–"/>
+              <a:defRPr kumimoji="1" sz="2000">
+                <a:solidFill>
+                  <a:schemeClr val="tx1"/>
+                </a:solidFill>
+                <a:latin typeface="Arial" charset="0"/>
+              </a:defRPr>
+            </a:lvl4pPr>
+            <a:lvl5pPr marL="2057400" indent="-228600">
+              <a:spcBef>
+                <a:spcPct val="20000"/>
+              </a:spcBef>
+              <a:buFont typeface="Arial" charset="0"/>
+              <a:buChar char="»"/>
+              <a:defRPr kumimoji="1" sz="2000">
+                <a:solidFill>
+                  <a:schemeClr val="tx1"/>
+                </a:solidFill>
+                <a:latin typeface="Arial" charset="0"/>
+              </a:defRPr>
+            </a:lvl5pPr>
+            <a:lvl6pPr marL="2514600" indent="-228600" eaLnBrk="0" fontAlgn="base" hangingPunct="0">
+              <a:spcBef>
+                <a:spcPct val="20000"/>
+              </a:spcBef>
+              <a:spcAft>
+                <a:spcPct val="0"/>
+              </a:spcAft>
+              <a:buFont typeface="Arial" charset="0"/>
+              <a:buChar char="»"/>
+              <a:defRPr kumimoji="1" sz="2000">
+                <a:solidFill>
+                  <a:schemeClr val="tx1"/>
+                </a:solidFill>
+                <a:latin typeface="Arial" charset="0"/>
+              </a:defRPr>
+            </a:lvl6pPr>
+            <a:lvl7pPr marL="2971800" indent="-228600" eaLnBrk="0" fontAlgn="base" hangingPunct="0">
+              <a:spcBef>
+                <a:spcPct val="20000"/>
+              </a:spcBef>
+              <a:spcAft>
+                <a:spcPct val="0"/>
+              </a:spcAft>
+              <a:buFont typeface="Arial" charset="0"/>
+              <a:buChar char="»"/>
+              <a:defRPr kumimoji="1" sz="2000">
+                <a:solidFill>
+                  <a:schemeClr val="tx1"/>
+                </a:solidFill>
+                <a:latin typeface="Arial" charset="0"/>
+              </a:defRPr>
+            </a:lvl7pPr>
+            <a:lvl8pPr marL="3429000" indent="-228600" eaLnBrk="0" fontAlgn="base" hangingPunct="0">
+              <a:spcBef>
+                <a:spcPct val="20000"/>
+              </a:spcBef>
+              <a:spcAft>
+                <a:spcPct val="0"/>
+              </a:spcAft>
+              <a:buFont typeface="Arial" charset="0"/>
+              <a:buChar char="»"/>
+              <a:defRPr kumimoji="1" sz="2000">
+                <a:solidFill>
+                  <a:schemeClr val="tx1"/>
+                </a:solidFill>
+                <a:latin typeface="Arial" charset="0"/>
+              </a:defRPr>
+            </a:lvl8pPr>
+            <a:lvl9pPr marL="3886200" indent="-228600" eaLnBrk="0" fontAlgn="base" hangingPunct="0">
+              <a:spcBef>
+                <a:spcPct val="20000"/>
+              </a:spcBef>
+              <a:spcAft>
+                <a:spcPct val="0"/>
+              </a:spcAft>
+              <a:buFont typeface="Arial" charset="0"/>
+              <a:buChar char="»"/>
+              <a:defRPr kumimoji="1" sz="2000">
+                <a:solidFill>
+                  <a:schemeClr val="tx1"/>
+                </a:solidFill>
+                <a:latin typeface="Arial" charset="0"/>
+              </a:defRPr>
+            </a:lvl9pPr>
+          </a:lstStyle>
+          <a:p>
+            <a:pPr eaLnBrk="0" fontAlgn="base" hangingPunct="0">
+              <a:spcBef>
+                <a:spcPct val="0"/>
+              </a:spcBef>
+              <a:spcAft>
+                <a:spcPct val="0"/>
+              </a:spcAft>
+              <a:buFontTx/>
+              <a:buNone/>
+            </a:pPr>
+            <a:endParaRPr lang="ja-JP" altLang="en-US" sz="1800" dirty="0">
+              <a:solidFill>
+                <a:prstClr val="black"/>
+              </a:solidFill>
+              <a:latin typeface="Meiryo UI" pitchFamily="50" charset="-128"/>
+              <a:ea typeface="Meiryo UI" pitchFamily="50" charset="-128"/>
+              <a:cs typeface="Meiryo UI" pitchFamily="50" charset="-128"/>
+            </a:endParaRPr>
+          </a:p>
+        </p:txBody>
+      </p:sp>
+      <p:sp>
+        <p:nvSpPr>
+          <p:cNvPr id="3076" name="タイトル 1"/>
+          <p:cNvSpPr txBox="1">
+            <a:spLocks/>
+          </p:cNvSpPr>
+          <p:nvPr/>
+        </p:nvSpPr>
+        <p:spPr bwMode="auto">
+          <a:xfrm>
+            <a:off x="1331119" y="1538289"/>
+            <a:ext cx="5829300" cy="594122"/>
+          </a:xfrm>
+          <a:prstGeom prst="rect">
+            <a:avLst/>
+          </a:prstGeom>
+          <a:noFill/>
+          <a:ln>
+            <a:noFill/>
+          </a:ln>
+          <a:extLst>
+            <a:ext uri="{909E8E84-426E-40DD-AFC4-6F175D3DCCD1}">
+              <a14:hiddenFill xmlns:a14="http://schemas.microsoft.com/office/drawing/2010/main">
+                <a:solidFill>
+                  <a:srgbClr val="FFFFFF"/>
+                </a:solidFill>
+              </a14:hiddenFill>
+            </a:ext>
+            <a:ext uri="{91240B29-F687-4F45-9708-019B960494DF}">
+              <a14:hiddenLine xmlns:a14="http://schemas.microsoft.com/office/drawing/2010/main" w="9525">
+                <a:solidFill>
+                  <a:srgbClr val="000000"/>
+                </a:solidFill>
+                <a:miter lim="800000"/>
+                <a:headEnd/>
+                <a:tailEnd/>
+              </a14:hiddenLine>
+            </a:ext>
+          </a:extLst>
+        </p:spPr>
+        <p:txBody>
+          <a:bodyPr anchor="ctr"/>
+          <a:lstStyle>
+            <a:lvl1pPr>
+              <a:spcBef>
+                <a:spcPct val="20000"/>
+              </a:spcBef>
+              <a:buFont typeface="Arial" charset="0"/>
+              <a:buChar char="•"/>
+              <a:defRPr kumimoji="1" sz="3200">
+                <a:solidFill>
+                  <a:schemeClr val="tx1"/>
+                </a:solidFill>
+                <a:latin typeface="Arial" charset="0"/>
+              </a:defRPr>
+            </a:lvl1pPr>
+            <a:lvl2pPr marL="742950" indent="-285750">
+              <a:spcBef>
+                <a:spcPct val="20000"/>
+              </a:spcBef>
+              <a:buFont typeface="Arial" charset="0"/>
+              <a:buChar char="–"/>
+              <a:defRPr kumimoji="1" sz="2800">
+                <a:solidFill>
+                  <a:schemeClr val="tx1"/>
+                </a:solidFill>
+                <a:latin typeface="Arial" charset="0"/>
+              </a:defRPr>
+            </a:lvl2pPr>
+            <a:lvl3pPr marL="1143000" indent="-228600">
+              <a:spcBef>
+                <a:spcPct val="20000"/>
+              </a:spcBef>
+              <a:buFont typeface="Arial" charset="0"/>
+              <a:buChar char="•"/>
+              <a:defRPr kumimoji="1" sz="2400">
+                <a:solidFill>
+                  <a:schemeClr val="tx1"/>
+                </a:solidFill>
+                <a:latin typeface="Arial" charset="0"/>
+              </a:defRPr>
+            </a:lvl3pPr>
+            <a:lvl4pPr marL="1600200" indent="-228600">
+              <a:spcBef>
+                <a:spcPct val="20000"/>
+              </a:spcBef>
+              <a:buFont typeface="Arial" charset="0"/>
+              <a:buChar char="–"/>
+              <a:defRPr kumimoji="1" sz="2000">
+                <a:solidFill>
+                  <a:schemeClr val="tx1"/>
+                </a:solidFill>
+                <a:latin typeface="Arial" charset="0"/>
+              </a:defRPr>
+            </a:lvl4pPr>
+            <a:lvl5pPr marL="2057400" indent="-228600">
+              <a:spcBef>
+                <a:spcPct val="20000"/>
+              </a:spcBef>
+              <a:buFont typeface="Arial" charset="0"/>
+              <a:buChar char="»"/>
+              <a:defRPr kumimoji="1" sz="2000">
+                <a:solidFill>
+                  <a:schemeClr val="tx1"/>
+                </a:solidFill>
+                <a:latin typeface="Arial" charset="0"/>
+              </a:defRPr>
+            </a:lvl5pPr>
+            <a:lvl6pPr marL="2514600" indent="-228600" eaLnBrk="0" fontAlgn="base" hangingPunct="0">
+              <a:spcBef>
+                <a:spcPct val="20000"/>
+              </a:spcBef>
+              <a:spcAft>
+                <a:spcPct val="0"/>
+              </a:spcAft>
+              <a:buFont typeface="Arial" charset="0"/>
+              <a:buChar char="»"/>
+              <a:defRPr kumimoji="1" sz="2000">
+                <a:solidFill>
+                  <a:schemeClr val="tx1"/>
+                </a:solidFill>
+                <a:latin typeface="Arial" charset="0"/>
+              </a:defRPr>
+            </a:lvl6pPr>
+            <a:lvl7pPr marL="2971800" indent="-228600" eaLnBrk="0" fontAlgn="base" hangingPunct="0">
+              <a:spcBef>
+                <a:spcPct val="20000"/>
+              </a:spcBef>
+              <a:spcAft>
+                <a:spcPct val="0"/>
+              </a:spcAft>
+              <a:buFont typeface="Arial" charset="0"/>
+              <a:buChar char="»"/>
+              <a:defRPr kumimoji="1" sz="2000">
+                <a:solidFill>
+                  <a:schemeClr val="tx1"/>
+                </a:solidFill>
+                <a:latin typeface="Arial" charset="0"/>
+              </a:defRPr>
+            </a:lvl7pPr>
+            <a:lvl8pPr marL="3429000" indent="-228600" eaLnBrk="0" fontAlgn="base" hangingPunct="0">
+              <a:spcBef>
+                <a:spcPct val="20000"/>
+              </a:spcBef>
+              <a:spcAft>
+                <a:spcPct val="0"/>
+              </a:spcAft>
+              <a:buFont typeface="Arial" charset="0"/>
+              <a:buChar char="»"/>
+              <a:defRPr kumimoji="1" sz="2000">
+                <a:solidFill>
+                  <a:schemeClr val="tx1"/>
+                </a:solidFill>
+                <a:latin typeface="Arial" charset="0"/>
+              </a:defRPr>
+            </a:lvl8pPr>
+            <a:lvl9pPr marL="3886200" indent="-228600" eaLnBrk="0" fontAlgn="base" hangingPunct="0">
+              <a:spcBef>
+                <a:spcPct val="20000"/>
+              </a:spcBef>
+              <a:spcAft>
+                <a:spcPct val="0"/>
+              </a:spcAft>
+              <a:buFont typeface="Arial" charset="0"/>
+              <a:buChar char="»"/>
+              <a:defRPr kumimoji="1" sz="2000">
+                <a:solidFill>
+                  <a:schemeClr val="tx1"/>
+                </a:solidFill>
+                <a:latin typeface="Arial" charset="0"/>
+              </a:defRPr>
+            </a:lvl9pPr>
+          </a:lstStyle>
+          <a:p>
+            <a:pPr eaLnBrk="0" fontAlgn="base" hangingPunct="0">
+              <a:spcBef>
+                <a:spcPct val="0"/>
+              </a:spcBef>
+              <a:spcAft>
+                <a:spcPct val="0"/>
+              </a:spcAft>
+              <a:buFontTx/>
+              <a:buNone/>
+            </a:pPr>
+            <a:endParaRPr lang="ja-JP" altLang="en-US" sz="2100" dirty="0">
+              <a:solidFill>
+                <a:prstClr val="black"/>
+              </a:solidFill>
+              <a:latin typeface="Meiryo UI" pitchFamily="50" charset="-128"/>
+              <a:ea typeface="Meiryo UI" pitchFamily="50" charset="-128"/>
+              <a:cs typeface="Meiryo UI" pitchFamily="50" charset="-128"/>
+            </a:endParaRPr>
+          </a:p>
+        </p:txBody>
+      </p:sp>
+      <p:sp>
+        <p:nvSpPr>
           <p:cNvPr id="6" name="タイトル 1"/>
           <p:cNvSpPr txBox="1">
             <a:spLocks/>
@@ -11063,7 +12368,7 @@
 </p:sld>
 </file>
 
-<file path=ppt/slides/slide4.xml><?xml version="1.0" encoding="utf-8"?>
+<file path=ppt/slides/slide5.xml><?xml version="1.0" encoding="utf-8"?>
 <p:sld xmlns:a="http://schemas.openxmlformats.org/drawingml/2006/main" xmlns:r="http://schemas.openxmlformats.org/officeDocument/2006/relationships" xmlns:p="http://schemas.openxmlformats.org/presentationml/2006/main">
   <p:cSld>
     <p:spTree>
@@ -12287,7 +13592,7 @@
 </p:sld>
 </file>
 
-<file path=ppt/slides/slide5.xml><?xml version="1.0" encoding="utf-8"?>
+<file path=ppt/slides/slide6.xml><?xml version="1.0" encoding="utf-8"?>
 <p:sld xmlns:a="http://schemas.openxmlformats.org/drawingml/2006/main" xmlns:r="http://schemas.openxmlformats.org/officeDocument/2006/relationships" xmlns:p="http://schemas.openxmlformats.org/presentationml/2006/main">
   <p:cSld>
     <p:spTree>
@@ -13679,7 +14984,7 @@
 </p:sld>
 </file>
 
-<file path=ppt/slides/slide6.xml><?xml version="1.0" encoding="utf-8"?>
+<file path=ppt/slides/slide7.xml><?xml version="1.0" encoding="utf-8"?>
 <p:sld xmlns:a="http://schemas.openxmlformats.org/drawingml/2006/main" xmlns:r="http://schemas.openxmlformats.org/officeDocument/2006/relationships" xmlns:p="http://schemas.openxmlformats.org/presentationml/2006/main">
   <p:cSld>
     <p:spTree>
@@ -15169,7 +16474,7 @@
 </p:sld>
 </file>
 
-<file path=ppt/slides/slide7.xml><?xml version="1.0" encoding="utf-8"?>
+<file path=ppt/slides/slide8.xml><?xml version="1.0" encoding="utf-8"?>
 <p:sld xmlns:a="http://schemas.openxmlformats.org/drawingml/2006/main" xmlns:r="http://schemas.openxmlformats.org/officeDocument/2006/relationships" xmlns:p="http://schemas.openxmlformats.org/presentationml/2006/main">
   <p:cSld>
     <p:spTree>
@@ -16845,7 +18150,7 @@
   <a:extraClrSchemeLst/>
   <a:extLst>
     <a:ext uri="{05A4C25C-085E-4340-85A3-A5531E510DB2}">
-      <thm15:themeFamily xmlns:thm15="http://schemas.microsoft.com/office/thememl/2012/main" xmlns="" name="Office Theme" id="{62F939B6-93AF-4DB8-9C6B-D6C7DFDC589F}" vid="{4A3C46E8-61CC-4603-A589-7422A47A8E4A}"/>
+      <thm15:themeFamily xmlns:thm15="http://schemas.microsoft.com/office/thememl/2012/main" name="Office Theme" id="{62F939B6-93AF-4DB8-9C6B-D6C7DFDC589F}" vid="{4A3C46E8-61CC-4603-A589-7422A47A8E4A}"/>
     </a:ext>
   </a:extLst>
 </a:theme>
@@ -17108,7 +18413,7 @@
   <a:extraClrSchemeLst/>
   <a:extLst>
     <a:ext uri="{05A4C25C-085E-4340-85A3-A5531E510DB2}">
-      <thm15:themeFamily xmlns:thm15="http://schemas.microsoft.com/office/thememl/2012/main" xmlns="" name="プレゼンテーション2" id="{B4D65539-B000-4411-ADBB-9A4243B78F1D}" vid="{3F036B57-7FB5-4BDC-9257-338077699A5E}"/>
+      <thm15:themeFamily xmlns:thm15="http://schemas.microsoft.com/office/thememl/2012/main" name="プレゼンテーション2" id="{B4D65539-B000-4411-ADBB-9A4243B78F1D}" vid="{3F036B57-7FB5-4BDC-9257-338077699A5E}"/>
     </a:ext>
   </a:extLst>
 </a:theme>
@@ -17369,7 +18674,7 @@
   <a:extraClrSchemeLst/>
   <a:extLst>
     <a:ext uri="{05A4C25C-085E-4340-85A3-A5531E510DB2}">
-      <thm15:themeFamily xmlns:thm15="http://schemas.microsoft.com/office/thememl/2012/main" xmlns="" name="Office Theme" id="{62F939B6-93AF-4DB8-9C6B-D6C7DFDC589F}" vid="{4A3C46E8-61CC-4603-A589-7422A47A8E4A}"/>
+      <thm15:themeFamily xmlns:thm15="http://schemas.microsoft.com/office/thememl/2012/main" name="Office Theme" id="{62F939B6-93AF-4DB8-9C6B-D6C7DFDC589F}" vid="{4A3C46E8-61CC-4603-A589-7422A47A8E4A}"/>
     </a:ext>
   </a:extLst>
 </a:theme>
